--- a/python/ppt/ppt-chapter3.pptx
+++ b/python/ppt/ppt-chapter3.pptx
@@ -6,6 +6,10 @@
   </p:sldMasterIdLst>
   <p:sldIdLst>
     <p:sldId id="256" r:id="rId2"/>
+    <p:sldId id="257" r:id="rId3"/>
+    <p:sldId id="258" r:id="rId4"/>
+    <p:sldId id="259" r:id="rId5"/>
+    <p:sldId id="260" r:id="rId6"/>
   </p:sldIdLst>
   <p:sldSz cx="12192000" cy="6858000"/>
   <p:notesSz cx="6858000" cy="9144000"/>
@@ -105,6 +109,18 @@
     </a:lvl9pPr>
   </p:defaultTextStyle>
 </p:presentation>
+</file>
+
+<file path=ppt/commentAuthors.xml><?xml version="1.0" encoding="utf-8"?>
+<p:cmAuthorLst xmlns:a="http://schemas.openxmlformats.org/drawingml/2006/main" xmlns:r="http://schemas.openxmlformats.org/officeDocument/2006/relationships" xmlns:p="http://schemas.openxmlformats.org/presentationml/2006/main">
+  <p:cmAuthor id="1" name="钟 垠洁" initials="钟" lastIdx="1" clrIdx="0">
+    <p:extLst>
+      <p:ext uri="{19B8F6BF-5375-455C-9EA6-DF929625EA0E}">
+        <p15:presenceInfo xmlns:p15="http://schemas.microsoft.com/office/powerpoint/2012/main" userId="ecc3a571edbf311d" providerId="Windows Live"/>
+      </p:ext>
+    </p:extLst>
+  </p:cmAuthor>
+</p:cmAuthorLst>
 </file>
 
 <file path=ppt/slideLayouts/slideLayout1.xml><?xml version="1.0" encoding="utf-8"?>
@@ -6132,6 +6148,1345 @@
   <p:clrMapOvr>
     <a:masterClrMapping/>
   </p:clrMapOvr>
+  <p:timing>
+    <p:tnLst>
+      <p:par>
+        <p:cTn id="1" dur="indefinite" restart="never" nodeType="tmRoot"/>
+      </p:par>
+    </p:tnLst>
+  </p:timing>
+</p:sld>
+</file>
+
+<file path=ppt/slides/slide2.xml><?xml version="1.0" encoding="utf-8"?>
+<p:sld xmlns:a="http://schemas.openxmlformats.org/drawingml/2006/main" xmlns:r="http://schemas.openxmlformats.org/officeDocument/2006/relationships" xmlns:p="http://schemas.openxmlformats.org/presentationml/2006/main">
+  <p:cSld>
+    <p:spTree>
+      <p:nvGrpSpPr>
+        <p:cNvPr id="1" name=""/>
+        <p:cNvGrpSpPr/>
+        <p:nvPr/>
+      </p:nvGrpSpPr>
+      <p:grpSpPr>
+        <a:xfrm>
+          <a:off x="0" y="0"/>
+          <a:ext cx="0" cy="0"/>
+          <a:chOff x="0" y="0"/>
+          <a:chExt cx="0" cy="0"/>
+        </a:xfrm>
+      </p:grpSpPr>
+      <p:sp>
+        <p:nvSpPr>
+          <p:cNvPr id="3" name="文本框 2"/>
+          <p:cNvSpPr txBox="1"/>
+          <p:nvPr/>
+        </p:nvSpPr>
+        <p:spPr>
+          <a:xfrm>
+            <a:off x="6579330" y="679257"/>
+            <a:ext cx="3709852" cy="523220"/>
+          </a:xfrm>
+          <a:prstGeom prst="rect">
+            <a:avLst/>
+          </a:prstGeom>
+        </p:spPr>
+        <p:style>
+          <a:lnRef idx="0">
+            <a:schemeClr val="accent2"/>
+          </a:lnRef>
+          <a:fillRef idx="3">
+            <a:schemeClr val="accent2"/>
+          </a:fillRef>
+          <a:effectRef idx="3">
+            <a:schemeClr val="accent2"/>
+          </a:effectRef>
+          <a:fontRef idx="minor">
+            <a:schemeClr val="lt1"/>
+          </a:fontRef>
+        </p:style>
+        <p:txBody>
+          <a:bodyPr wrap="square" rtlCol="0">
+            <a:spAutoFit/>
+          </a:bodyPr>
+          <a:lstStyle/>
+          <a:p>
+            <a:pPr algn="ctr"/>
+            <a:r>
+              <a:rPr lang="en-US" altLang="zh-CN" sz="2800" dirty="0" smtClean="0">
+                <a:latin typeface="+mn-ea"/>
+              </a:rPr>
+              <a:t>……</a:t>
+            </a:r>
+            <a:endParaRPr lang="zh-CN" altLang="en-US" sz="2800" dirty="0">
+              <a:latin typeface="+mn-ea"/>
+            </a:endParaRPr>
+          </a:p>
+        </p:txBody>
+      </p:sp>
+      <p:sp>
+        <p:nvSpPr>
+          <p:cNvPr id="4" name="文本框 3"/>
+          <p:cNvSpPr txBox="1"/>
+          <p:nvPr/>
+        </p:nvSpPr>
+        <p:spPr>
+          <a:xfrm>
+            <a:off x="6579330" y="2164069"/>
+            <a:ext cx="3709852" cy="523220"/>
+          </a:xfrm>
+          <a:prstGeom prst="rect">
+            <a:avLst/>
+          </a:prstGeom>
+        </p:spPr>
+        <p:style>
+          <a:lnRef idx="0">
+            <a:schemeClr val="accent2"/>
+          </a:lnRef>
+          <a:fillRef idx="3">
+            <a:schemeClr val="accent2"/>
+          </a:fillRef>
+          <a:effectRef idx="3">
+            <a:schemeClr val="accent2"/>
+          </a:effectRef>
+          <a:fontRef idx="minor">
+            <a:schemeClr val="lt1"/>
+          </a:fontRef>
+        </p:style>
+        <p:txBody>
+          <a:bodyPr wrap="square" rtlCol="0">
+            <a:spAutoFit/>
+          </a:bodyPr>
+          <a:lstStyle/>
+          <a:p>
+            <a:pPr algn="ctr"/>
+            <a:r>
+              <a:rPr lang="zh-CN" altLang="en-US" sz="2800" dirty="0" smtClean="0">
+                <a:latin typeface="+mn-ea"/>
+              </a:rPr>
+              <a:t>设计思路</a:t>
+            </a:r>
+            <a:endParaRPr lang="zh-CN" altLang="en-US" sz="2800" dirty="0">
+              <a:latin typeface="+mn-ea"/>
+            </a:endParaRPr>
+          </a:p>
+        </p:txBody>
+      </p:sp>
+      <p:sp>
+        <p:nvSpPr>
+          <p:cNvPr id="5" name="文本框 4"/>
+          <p:cNvSpPr txBox="1"/>
+          <p:nvPr/>
+        </p:nvSpPr>
+        <p:spPr>
+          <a:xfrm>
+            <a:off x="6579330" y="3648881"/>
+            <a:ext cx="3709852" cy="523220"/>
+          </a:xfrm>
+          <a:prstGeom prst="rect">
+            <a:avLst/>
+          </a:prstGeom>
+        </p:spPr>
+        <p:style>
+          <a:lnRef idx="0">
+            <a:schemeClr val="accent2"/>
+          </a:lnRef>
+          <a:fillRef idx="3">
+            <a:schemeClr val="accent2"/>
+          </a:fillRef>
+          <a:effectRef idx="3">
+            <a:schemeClr val="accent2"/>
+          </a:effectRef>
+          <a:fontRef idx="minor">
+            <a:schemeClr val="lt1"/>
+          </a:fontRef>
+        </p:style>
+        <p:txBody>
+          <a:bodyPr wrap="square" rtlCol="0">
+            <a:spAutoFit/>
+          </a:bodyPr>
+          <a:lstStyle/>
+          <a:p>
+            <a:pPr algn="ctr"/>
+            <a:r>
+              <a:rPr lang="zh-CN" altLang="en-US" sz="2800" dirty="0" smtClean="0">
+                <a:latin typeface="+mn-ea"/>
+              </a:rPr>
+              <a:t>运行演示</a:t>
+            </a:r>
+            <a:endParaRPr lang="zh-CN" altLang="en-US" sz="2800" dirty="0">
+              <a:latin typeface="+mn-ea"/>
+            </a:endParaRPr>
+          </a:p>
+        </p:txBody>
+      </p:sp>
+      <p:sp>
+        <p:nvSpPr>
+          <p:cNvPr id="6" name="文本框 5"/>
+          <p:cNvSpPr txBox="1"/>
+          <p:nvPr/>
+        </p:nvSpPr>
+        <p:spPr>
+          <a:xfrm>
+            <a:off x="6579330" y="5133693"/>
+            <a:ext cx="3709852" cy="523220"/>
+          </a:xfrm>
+          <a:prstGeom prst="rect">
+            <a:avLst/>
+          </a:prstGeom>
+        </p:spPr>
+        <p:style>
+          <a:lnRef idx="0">
+            <a:schemeClr val="accent2"/>
+          </a:lnRef>
+          <a:fillRef idx="3">
+            <a:schemeClr val="accent2"/>
+          </a:fillRef>
+          <a:effectRef idx="3">
+            <a:schemeClr val="accent2"/>
+          </a:effectRef>
+          <a:fontRef idx="minor">
+            <a:schemeClr val="lt1"/>
+          </a:fontRef>
+        </p:style>
+        <p:txBody>
+          <a:bodyPr wrap="square" rtlCol="0">
+            <a:spAutoFit/>
+          </a:bodyPr>
+          <a:lstStyle/>
+          <a:p>
+            <a:pPr algn="ctr"/>
+            <a:r>
+              <a:rPr lang="en-US" altLang="zh-CN" sz="2800" dirty="0" smtClean="0">
+                <a:latin typeface="+mn-ea"/>
+              </a:rPr>
+              <a:t>……</a:t>
+            </a:r>
+            <a:endParaRPr lang="zh-CN" altLang="en-US" sz="2800" dirty="0">
+              <a:latin typeface="+mn-ea"/>
+            </a:endParaRPr>
+          </a:p>
+        </p:txBody>
+      </p:sp>
+      <p:sp>
+        <p:nvSpPr>
+          <p:cNvPr id="7" name="文本框 6"/>
+          <p:cNvSpPr txBox="1"/>
+          <p:nvPr/>
+        </p:nvSpPr>
+        <p:spPr>
+          <a:xfrm>
+            <a:off x="1105545" y="1887584"/>
+            <a:ext cx="923330" cy="3239578"/>
+          </a:xfrm>
+          <a:prstGeom prst="rect">
+            <a:avLst/>
+          </a:prstGeom>
+        </p:spPr>
+        <p:style>
+          <a:lnRef idx="0">
+            <a:schemeClr val="accent4"/>
+          </a:lnRef>
+          <a:fillRef idx="3">
+            <a:schemeClr val="accent4"/>
+          </a:fillRef>
+          <a:effectRef idx="3">
+            <a:schemeClr val="accent4"/>
+          </a:effectRef>
+          <a:fontRef idx="minor">
+            <a:schemeClr val="lt1"/>
+          </a:fontRef>
+        </p:style>
+        <p:txBody>
+          <a:bodyPr vert="eaVert" wrap="square" rtlCol="0">
+            <a:spAutoFit/>
+          </a:bodyPr>
+          <a:lstStyle/>
+          <a:p>
+            <a:pPr algn="ctr"/>
+            <a:r>
+              <a:rPr lang="zh-CN" altLang="en-US" sz="4800" dirty="0" smtClean="0"/>
+              <a:t>演示内容</a:t>
+            </a:r>
+            <a:endParaRPr lang="zh-CN" altLang="en-US" sz="4800" dirty="0"/>
+          </a:p>
+        </p:txBody>
+      </p:sp>
+      <p:sp>
+        <p:nvSpPr>
+          <p:cNvPr id="9" name="文本框 8"/>
+          <p:cNvSpPr txBox="1"/>
+          <p:nvPr/>
+        </p:nvSpPr>
+        <p:spPr>
+          <a:xfrm>
+            <a:off x="2116071" y="2914914"/>
+            <a:ext cx="940526" cy="1477328"/>
+          </a:xfrm>
+          <a:prstGeom prst="rect">
+            <a:avLst/>
+          </a:prstGeom>
+        </p:spPr>
+        <p:style>
+          <a:lnRef idx="0">
+            <a:schemeClr val="accent3"/>
+          </a:lnRef>
+          <a:fillRef idx="3">
+            <a:schemeClr val="accent3"/>
+          </a:fillRef>
+          <a:effectRef idx="3">
+            <a:schemeClr val="accent3"/>
+          </a:effectRef>
+          <a:fontRef idx="minor">
+            <a:schemeClr val="lt1"/>
+          </a:fontRef>
+        </p:style>
+        <p:txBody>
+          <a:bodyPr wrap="square" rtlCol="0">
+            <a:spAutoFit/>
+          </a:bodyPr>
+          <a:lstStyle/>
+          <a:p>
+            <a:r>
+              <a:rPr lang="zh-CN" altLang="zh-CN" dirty="0"/>
+              <a:t>循环冗余校验</a:t>
+            </a:r>
+            <a:r>
+              <a:rPr lang="en-US" altLang="zh-CN" dirty="0"/>
+              <a:t>CRC</a:t>
+            </a:r>
+            <a:r>
+              <a:rPr lang="zh-CN" altLang="zh-CN" dirty="0"/>
+              <a:t>生成和校验程序</a:t>
+            </a:r>
+            <a:endParaRPr lang="zh-CN" altLang="en-US" dirty="0"/>
+          </a:p>
+        </p:txBody>
+      </p:sp>
+      <p:sp>
+        <p:nvSpPr>
+          <p:cNvPr id="10" name="文本框 9"/>
+          <p:cNvSpPr txBox="1"/>
+          <p:nvPr/>
+        </p:nvSpPr>
+        <p:spPr>
+          <a:xfrm>
+            <a:off x="4010185" y="2920480"/>
+            <a:ext cx="940526" cy="1477328"/>
+          </a:xfrm>
+          <a:prstGeom prst="rect">
+            <a:avLst/>
+          </a:prstGeom>
+        </p:spPr>
+        <p:style>
+          <a:lnRef idx="0">
+            <a:schemeClr val="accent3"/>
+          </a:lnRef>
+          <a:fillRef idx="3">
+            <a:schemeClr val="accent3"/>
+          </a:fillRef>
+          <a:effectRef idx="3">
+            <a:schemeClr val="accent3"/>
+          </a:effectRef>
+          <a:fontRef idx="minor">
+            <a:schemeClr val="lt1"/>
+          </a:fontRef>
+        </p:style>
+        <p:txBody>
+          <a:bodyPr wrap="square" rtlCol="0">
+            <a:spAutoFit/>
+          </a:bodyPr>
+          <a:lstStyle/>
+          <a:p>
+            <a:r>
+              <a:rPr lang="zh-CN" altLang="zh-CN" b="1" dirty="0"/>
+              <a:t>基于停止等待协议的可靠通信</a:t>
+            </a:r>
+            <a:endParaRPr lang="zh-CN" altLang="en-US" dirty="0"/>
+          </a:p>
+        </p:txBody>
+      </p:sp>
+      <p:sp>
+        <p:nvSpPr>
+          <p:cNvPr id="11" name="文本框 10"/>
+          <p:cNvSpPr txBox="1"/>
+          <p:nvPr/>
+        </p:nvSpPr>
+        <p:spPr>
+          <a:xfrm>
+            <a:off x="4968236" y="2920480"/>
+            <a:ext cx="966651" cy="1477328"/>
+          </a:xfrm>
+          <a:prstGeom prst="rect">
+            <a:avLst/>
+          </a:prstGeom>
+        </p:spPr>
+        <p:style>
+          <a:lnRef idx="0">
+            <a:schemeClr val="accent3"/>
+          </a:lnRef>
+          <a:fillRef idx="3">
+            <a:schemeClr val="accent3"/>
+          </a:fillRef>
+          <a:effectRef idx="3">
+            <a:schemeClr val="accent3"/>
+          </a:effectRef>
+          <a:fontRef idx="minor">
+            <a:schemeClr val="lt1"/>
+          </a:fontRef>
+        </p:style>
+        <p:txBody>
+          <a:bodyPr wrap="square" rtlCol="0">
+            <a:spAutoFit/>
+          </a:bodyPr>
+          <a:lstStyle/>
+          <a:p>
+            <a:r>
+              <a:rPr lang="zh-CN" altLang="zh-CN" b="1" dirty="0"/>
+              <a:t>基于连续</a:t>
+            </a:r>
+            <a:r>
+              <a:rPr lang="en-US" altLang="zh-CN" b="1" dirty="0"/>
+              <a:t>ARQ</a:t>
+            </a:r>
+            <a:r>
+              <a:rPr lang="zh-CN" altLang="zh-CN" b="1" dirty="0"/>
+              <a:t>协议的可靠通信</a:t>
+            </a:r>
+            <a:endParaRPr lang="zh-CN" altLang="en-US" dirty="0"/>
+          </a:p>
+        </p:txBody>
+      </p:sp>
+      <p:sp>
+        <p:nvSpPr>
+          <p:cNvPr id="12" name="文本框 11"/>
+          <p:cNvSpPr txBox="1"/>
+          <p:nvPr/>
+        </p:nvSpPr>
+        <p:spPr>
+          <a:xfrm>
+            <a:off x="3069659" y="2910217"/>
+            <a:ext cx="940526" cy="1477328"/>
+          </a:xfrm>
+          <a:prstGeom prst="rect">
+            <a:avLst/>
+          </a:prstGeom>
+        </p:spPr>
+        <p:style>
+          <a:lnRef idx="0">
+            <a:schemeClr val="accent3"/>
+          </a:lnRef>
+          <a:fillRef idx="3">
+            <a:schemeClr val="accent3"/>
+          </a:fillRef>
+          <a:effectRef idx="3">
+            <a:schemeClr val="accent3"/>
+          </a:effectRef>
+          <a:fontRef idx="minor">
+            <a:schemeClr val="lt1"/>
+          </a:fontRef>
+        </p:style>
+        <p:txBody>
+          <a:bodyPr wrap="square" rtlCol="0">
+            <a:spAutoFit/>
+          </a:bodyPr>
+          <a:lstStyle/>
+          <a:p>
+            <a:r>
+              <a:rPr lang="zh-CN" altLang="zh-CN" dirty="0"/>
+              <a:t>实现透明</a:t>
+            </a:r>
+            <a:r>
+              <a:rPr lang="zh-CN" altLang="zh-CN" dirty="0" smtClean="0"/>
+              <a:t>传输</a:t>
+            </a:r>
+            <a:endParaRPr lang="en-US" altLang="zh-CN" dirty="0"/>
+          </a:p>
+          <a:p>
+            <a:r>
+              <a:rPr lang="zh-CN" altLang="en-US" dirty="0" smtClean="0"/>
+              <a:t>程序</a:t>
+            </a:r>
+            <a:endParaRPr lang="en-US" altLang="zh-CN" dirty="0" smtClean="0"/>
+          </a:p>
+          <a:p>
+            <a:endParaRPr lang="en-US" altLang="zh-CN" dirty="0"/>
+          </a:p>
+          <a:p>
+            <a:endParaRPr lang="en-US" altLang="zh-CN" dirty="0" smtClean="0"/>
+          </a:p>
+        </p:txBody>
+      </p:sp>
+      <p:cxnSp>
+        <p:nvCxnSpPr>
+          <p:cNvPr id="14" name="直接箭头连接符 13"/>
+          <p:cNvCxnSpPr>
+            <a:stCxn id="11" idx="3"/>
+            <a:endCxn id="3" idx="1"/>
+          </p:cNvCxnSpPr>
+          <p:nvPr/>
+        </p:nvCxnSpPr>
+        <p:spPr>
+          <a:xfrm flipV="1">
+            <a:off x="5934887" y="940867"/>
+            <a:ext cx="644443" cy="2718277"/>
+          </a:xfrm>
+          <a:prstGeom prst="straightConnector1">
+            <a:avLst/>
+          </a:prstGeom>
+          <a:ln>
+            <a:tailEnd type="triangle"/>
+          </a:ln>
+        </p:spPr>
+        <p:style>
+          <a:lnRef idx="1">
+            <a:schemeClr val="accent1"/>
+          </a:lnRef>
+          <a:fillRef idx="0">
+            <a:schemeClr val="accent1"/>
+          </a:fillRef>
+          <a:effectRef idx="0">
+            <a:schemeClr val="accent1"/>
+          </a:effectRef>
+          <a:fontRef idx="minor">
+            <a:schemeClr val="tx1"/>
+          </a:fontRef>
+        </p:style>
+      </p:cxnSp>
+      <p:cxnSp>
+        <p:nvCxnSpPr>
+          <p:cNvPr id="16" name="直接箭头连接符 15"/>
+          <p:cNvCxnSpPr>
+            <a:stCxn id="11" idx="3"/>
+            <a:endCxn id="4" idx="1"/>
+          </p:cNvCxnSpPr>
+          <p:nvPr/>
+        </p:nvCxnSpPr>
+        <p:spPr>
+          <a:xfrm flipV="1">
+            <a:off x="5934887" y="2425679"/>
+            <a:ext cx="644443" cy="1233465"/>
+          </a:xfrm>
+          <a:prstGeom prst="straightConnector1">
+            <a:avLst/>
+          </a:prstGeom>
+          <a:ln>
+            <a:tailEnd type="triangle"/>
+          </a:ln>
+        </p:spPr>
+        <p:style>
+          <a:lnRef idx="1">
+            <a:schemeClr val="accent1"/>
+          </a:lnRef>
+          <a:fillRef idx="0">
+            <a:schemeClr val="accent1"/>
+          </a:fillRef>
+          <a:effectRef idx="0">
+            <a:schemeClr val="accent1"/>
+          </a:effectRef>
+          <a:fontRef idx="minor">
+            <a:schemeClr val="tx1"/>
+          </a:fontRef>
+        </p:style>
+      </p:cxnSp>
+      <p:cxnSp>
+        <p:nvCxnSpPr>
+          <p:cNvPr id="18" name="直接箭头连接符 17"/>
+          <p:cNvCxnSpPr>
+            <a:stCxn id="11" idx="3"/>
+          </p:cNvCxnSpPr>
+          <p:nvPr/>
+        </p:nvCxnSpPr>
+        <p:spPr>
+          <a:xfrm>
+            <a:off x="5934887" y="3659144"/>
+            <a:ext cx="544290" cy="377021"/>
+          </a:xfrm>
+          <a:prstGeom prst="straightConnector1">
+            <a:avLst/>
+          </a:prstGeom>
+          <a:ln>
+            <a:tailEnd type="triangle"/>
+          </a:ln>
+        </p:spPr>
+        <p:style>
+          <a:lnRef idx="1">
+            <a:schemeClr val="accent1"/>
+          </a:lnRef>
+          <a:fillRef idx="0">
+            <a:schemeClr val="accent1"/>
+          </a:fillRef>
+          <a:effectRef idx="0">
+            <a:schemeClr val="accent1"/>
+          </a:effectRef>
+          <a:fontRef idx="minor">
+            <a:schemeClr val="tx1"/>
+          </a:fontRef>
+        </p:style>
+      </p:cxnSp>
+      <p:cxnSp>
+        <p:nvCxnSpPr>
+          <p:cNvPr id="21" name="直接箭头连接符 20"/>
+          <p:cNvCxnSpPr>
+            <a:stCxn id="11" idx="3"/>
+          </p:cNvCxnSpPr>
+          <p:nvPr/>
+        </p:nvCxnSpPr>
+        <p:spPr>
+          <a:xfrm>
+            <a:off x="5934887" y="3659144"/>
+            <a:ext cx="644443" cy="1997769"/>
+          </a:xfrm>
+          <a:prstGeom prst="straightConnector1">
+            <a:avLst/>
+          </a:prstGeom>
+          <a:ln>
+            <a:tailEnd type="triangle"/>
+          </a:ln>
+        </p:spPr>
+        <p:style>
+          <a:lnRef idx="1">
+            <a:schemeClr val="accent1"/>
+          </a:lnRef>
+          <a:fillRef idx="0">
+            <a:schemeClr val="accent1"/>
+          </a:fillRef>
+          <a:effectRef idx="0">
+            <a:schemeClr val="accent1"/>
+          </a:effectRef>
+          <a:fontRef idx="minor">
+            <a:schemeClr val="tx1"/>
+          </a:fontRef>
+        </p:style>
+      </p:cxnSp>
+    </p:spTree>
+    <p:extLst>
+      <p:ext uri="{BB962C8B-B14F-4D97-AF65-F5344CB8AC3E}">
+        <p14:creationId xmlns:p14="http://schemas.microsoft.com/office/powerpoint/2010/main" val="3292386377"/>
+      </p:ext>
+    </p:extLst>
+  </p:cSld>
+  <p:clrMapOvr>
+    <a:masterClrMapping/>
+  </p:clrMapOvr>
+  <p:timing>
+    <p:tnLst>
+      <p:par>
+        <p:cTn id="1" dur="indefinite" restart="never" nodeType="tmRoot"/>
+      </p:par>
+    </p:tnLst>
+  </p:timing>
+</p:sld>
+</file>
+
+<file path=ppt/slides/slide3.xml><?xml version="1.0" encoding="utf-8"?>
+<p:sld xmlns:a="http://schemas.openxmlformats.org/drawingml/2006/main" xmlns:r="http://schemas.openxmlformats.org/officeDocument/2006/relationships" xmlns:p="http://schemas.openxmlformats.org/presentationml/2006/main">
+  <p:cSld>
+    <p:spTree>
+      <p:nvGrpSpPr>
+        <p:cNvPr id="1" name=""/>
+        <p:cNvGrpSpPr/>
+        <p:nvPr/>
+      </p:nvGrpSpPr>
+      <p:grpSpPr>
+        <a:xfrm>
+          <a:off x="0" y="0"/>
+          <a:ext cx="0" cy="0"/>
+          <a:chOff x="0" y="0"/>
+          <a:chExt cx="0" cy="0"/>
+        </a:xfrm>
+      </p:grpSpPr>
+      <p:sp>
+        <p:nvSpPr>
+          <p:cNvPr id="2" name="标题 1"/>
+          <p:cNvSpPr>
+            <a:spLocks noGrp="1"/>
+          </p:cNvSpPr>
+          <p:nvPr>
+            <p:ph type="title"/>
+          </p:nvPr>
+        </p:nvSpPr>
+        <p:spPr/>
+        <p:txBody>
+          <a:bodyPr/>
+          <a:lstStyle/>
+          <a:p>
+            <a:r>
+              <a:rPr lang="zh-CN" altLang="zh-CN" dirty="0"/>
+              <a:t>循环冗余校验</a:t>
+            </a:r>
+            <a:r>
+              <a:rPr lang="en-US" altLang="zh-CN" dirty="0"/>
+              <a:t>CRC</a:t>
+            </a:r>
+            <a:r>
+              <a:rPr lang="zh-CN" altLang="zh-CN" dirty="0"/>
+              <a:t>生成和校验程序</a:t>
+            </a:r>
+            <a:r>
+              <a:rPr lang="zh-CN" altLang="en-US" dirty="0"/>
+              <a:t/>
+            </a:r>
+            <a:br>
+              <a:rPr lang="zh-CN" altLang="en-US" dirty="0"/>
+            </a:br>
+            <a:endParaRPr lang="zh-CN" altLang="en-US" dirty="0"/>
+          </a:p>
+        </p:txBody>
+      </p:sp>
+      <p:sp>
+        <p:nvSpPr>
+          <p:cNvPr id="3" name="内容占位符 2"/>
+          <p:cNvSpPr>
+            <a:spLocks noGrp="1"/>
+          </p:cNvSpPr>
+          <p:nvPr>
+            <p:ph sz="quarter" idx="13"/>
+          </p:nvPr>
+        </p:nvSpPr>
+        <p:spPr/>
+        <p:txBody>
+          <a:bodyPr/>
+          <a:lstStyle/>
+          <a:p>
+            <a:endParaRPr lang="zh-CN" altLang="en-US" dirty="0"/>
+          </a:p>
+        </p:txBody>
+      </p:sp>
+    </p:spTree>
+    <p:extLst>
+      <p:ext uri="{BB962C8B-B14F-4D97-AF65-F5344CB8AC3E}">
+        <p14:creationId xmlns:p14="http://schemas.microsoft.com/office/powerpoint/2010/main" val="3407511426"/>
+      </p:ext>
+    </p:extLst>
+  </p:cSld>
+  <p:clrMapOvr>
+    <a:masterClrMapping/>
+  </p:clrMapOvr>
+</p:sld>
+</file>
+
+<file path=ppt/slides/slide4.xml><?xml version="1.0" encoding="utf-8"?>
+<p:sld xmlns:a="http://schemas.openxmlformats.org/drawingml/2006/main" xmlns:r="http://schemas.openxmlformats.org/officeDocument/2006/relationships" xmlns:p="http://schemas.openxmlformats.org/presentationml/2006/main">
+  <p:cSld>
+    <p:spTree>
+      <p:nvGrpSpPr>
+        <p:cNvPr id="1" name=""/>
+        <p:cNvGrpSpPr/>
+        <p:nvPr/>
+      </p:nvGrpSpPr>
+      <p:grpSpPr>
+        <a:xfrm>
+          <a:off x="0" y="0"/>
+          <a:ext cx="0" cy="0"/>
+          <a:chOff x="0" y="0"/>
+          <a:chExt cx="0" cy="0"/>
+        </a:xfrm>
+      </p:grpSpPr>
+      <p:sp>
+        <p:nvSpPr>
+          <p:cNvPr id="2" name="文本框 1"/>
+          <p:cNvSpPr txBox="1"/>
+          <p:nvPr/>
+        </p:nvSpPr>
+        <p:spPr>
+          <a:xfrm>
+            <a:off x="1105545" y="1887584"/>
+            <a:ext cx="923330" cy="3239578"/>
+          </a:xfrm>
+          <a:prstGeom prst="rect">
+            <a:avLst/>
+          </a:prstGeom>
+        </p:spPr>
+        <p:style>
+          <a:lnRef idx="0">
+            <a:schemeClr val="accent4"/>
+          </a:lnRef>
+          <a:fillRef idx="3">
+            <a:schemeClr val="accent4"/>
+          </a:fillRef>
+          <a:effectRef idx="3">
+            <a:schemeClr val="accent4"/>
+          </a:effectRef>
+          <a:fontRef idx="minor">
+            <a:schemeClr val="lt1"/>
+          </a:fontRef>
+        </p:style>
+        <p:txBody>
+          <a:bodyPr vert="eaVert" wrap="square" rtlCol="0">
+            <a:spAutoFit/>
+          </a:bodyPr>
+          <a:lstStyle/>
+          <a:p>
+            <a:pPr algn="ctr"/>
+            <a:r>
+              <a:rPr lang="zh-CN" altLang="en-US" sz="4800" dirty="0" smtClean="0"/>
+              <a:t>设计思路</a:t>
+            </a:r>
+            <a:endParaRPr lang="zh-CN" altLang="en-US" sz="4800" dirty="0"/>
+          </a:p>
+        </p:txBody>
+      </p:sp>
+      <p:sp>
+        <p:nvSpPr>
+          <p:cNvPr id="7" name="文本框 6"/>
+          <p:cNvSpPr txBox="1"/>
+          <p:nvPr/>
+        </p:nvSpPr>
+        <p:spPr>
+          <a:xfrm>
+            <a:off x="2665115" y="1992077"/>
+            <a:ext cx="2255199" cy="646331"/>
+          </a:xfrm>
+          <a:prstGeom prst="rect">
+            <a:avLst/>
+          </a:prstGeom>
+          <a:ln/>
+        </p:spPr>
+        <p:style>
+          <a:lnRef idx="2">
+            <a:schemeClr val="dk1"/>
+          </a:lnRef>
+          <a:fillRef idx="1">
+            <a:schemeClr val="lt1"/>
+          </a:fillRef>
+          <a:effectRef idx="0">
+            <a:schemeClr val="dk1"/>
+          </a:effectRef>
+          <a:fontRef idx="minor">
+            <a:schemeClr val="dk1"/>
+          </a:fontRef>
+        </p:style>
+        <p:txBody>
+          <a:bodyPr wrap="square" rtlCol="0">
+            <a:spAutoFit/>
+          </a:bodyPr>
+          <a:lstStyle/>
+          <a:p>
+            <a:r>
+              <a:rPr lang="zh-CN" altLang="en-US" dirty="0" smtClean="0"/>
+              <a:t>计算并添加</a:t>
+            </a:r>
+            <a:r>
+              <a:rPr lang="en-US" altLang="zh-CN" dirty="0" smtClean="0"/>
+              <a:t>CRC</a:t>
+            </a:r>
+            <a:r>
+              <a:rPr lang="zh-CN" altLang="en-US" dirty="0" smtClean="0"/>
+              <a:t>校验</a:t>
+            </a:r>
+            <a:endParaRPr lang="en-US" altLang="zh-CN" dirty="0" smtClean="0"/>
+          </a:p>
+          <a:p>
+            <a:r>
+              <a:rPr lang="zh-CN" altLang="en-US" dirty="0" smtClean="0"/>
+              <a:t>和</a:t>
+            </a:r>
+            <a:endParaRPr lang="en-US" altLang="zh-CN" dirty="0" smtClean="0"/>
+          </a:p>
+        </p:txBody>
+      </p:sp>
+      <p:sp>
+        <p:nvSpPr>
+          <p:cNvPr id="14" name="文本框 13"/>
+          <p:cNvSpPr txBox="1"/>
+          <p:nvPr/>
+        </p:nvSpPr>
+        <p:spPr>
+          <a:xfrm>
+            <a:off x="6441944" y="2138245"/>
+            <a:ext cx="2233748" cy="369332"/>
+          </a:xfrm>
+          <a:prstGeom prst="rect">
+            <a:avLst/>
+          </a:prstGeom>
+          <a:solidFill>
+            <a:schemeClr val="bg1"/>
+          </a:solidFill>
+          <a:ln>
+            <a:solidFill>
+              <a:schemeClr val="tx1">
+                <a:lumMod val="95000"/>
+                <a:lumOff val="5000"/>
+              </a:schemeClr>
+            </a:solidFill>
+          </a:ln>
+        </p:spPr>
+        <p:txBody>
+          <a:bodyPr wrap="square" rtlCol="0">
+            <a:spAutoFit/>
+          </a:bodyPr>
+          <a:lstStyle/>
+          <a:p>
+            <a:r>
+              <a:rPr lang="en-US" altLang="zh-CN" dirty="0" err="1" smtClean="0"/>
+              <a:t>getSendMassage</a:t>
+            </a:r>
+            <a:r>
+              <a:rPr lang="zh-CN" altLang="en-US" dirty="0" smtClean="0"/>
+              <a:t>函数</a:t>
+            </a:r>
+            <a:endParaRPr lang="en-US" altLang="zh-CN" dirty="0"/>
+          </a:p>
+        </p:txBody>
+      </p:sp>
+      <p:sp>
+        <p:nvSpPr>
+          <p:cNvPr id="15" name="文本框 14"/>
+          <p:cNvSpPr txBox="1"/>
+          <p:nvPr/>
+        </p:nvSpPr>
+        <p:spPr>
+          <a:xfrm>
+            <a:off x="6441944" y="3075086"/>
+            <a:ext cx="2233748" cy="369332"/>
+          </a:xfrm>
+          <a:prstGeom prst="rect">
+            <a:avLst/>
+          </a:prstGeom>
+          <a:solidFill>
+            <a:schemeClr val="bg1"/>
+          </a:solidFill>
+          <a:ln>
+            <a:solidFill>
+              <a:schemeClr val="tx1">
+                <a:lumMod val="95000"/>
+                <a:lumOff val="5000"/>
+              </a:schemeClr>
+            </a:solidFill>
+          </a:ln>
+        </p:spPr>
+        <p:txBody>
+          <a:bodyPr wrap="square" rtlCol="0">
+            <a:spAutoFit/>
+          </a:bodyPr>
+          <a:lstStyle/>
+          <a:p>
+            <a:r>
+              <a:rPr lang="en-US" altLang="zh-CN" dirty="0" err="1" smtClean="0"/>
+              <a:t>getRemainde</a:t>
+            </a:r>
+            <a:r>
+              <a:rPr lang="en-US" altLang="zh-CN" dirty="0" err="1"/>
+              <a:t>r</a:t>
+            </a:r>
+            <a:r>
+              <a:rPr lang="zh-CN" altLang="en-US" dirty="0" smtClean="0"/>
+              <a:t>函数</a:t>
+            </a:r>
+            <a:endParaRPr lang="en-US" altLang="zh-CN" dirty="0"/>
+          </a:p>
+        </p:txBody>
+      </p:sp>
+      <p:sp>
+        <p:nvSpPr>
+          <p:cNvPr id="16" name="文本框 15"/>
+          <p:cNvSpPr txBox="1"/>
+          <p:nvPr/>
+        </p:nvSpPr>
+        <p:spPr>
+          <a:xfrm>
+            <a:off x="2686566" y="3075086"/>
+            <a:ext cx="2233748" cy="369332"/>
+          </a:xfrm>
+          <a:prstGeom prst="rect">
+            <a:avLst/>
+          </a:prstGeom>
+          <a:solidFill>
+            <a:schemeClr val="bg1"/>
+          </a:solidFill>
+          <a:ln>
+            <a:solidFill>
+              <a:schemeClr val="tx1">
+                <a:lumMod val="95000"/>
+                <a:lumOff val="5000"/>
+              </a:schemeClr>
+            </a:solidFill>
+          </a:ln>
+        </p:spPr>
+        <p:txBody>
+          <a:bodyPr wrap="square" rtlCol="0">
+            <a:spAutoFit/>
+          </a:bodyPr>
+          <a:lstStyle/>
+          <a:p>
+            <a:r>
+              <a:rPr lang="zh-CN" altLang="en-US" dirty="0" smtClean="0"/>
+              <a:t>计算余数</a:t>
+            </a:r>
+            <a:endParaRPr lang="en-US" altLang="zh-CN" dirty="0"/>
+          </a:p>
+        </p:txBody>
+      </p:sp>
+      <p:sp>
+        <p:nvSpPr>
+          <p:cNvPr id="18" name="文本框 17"/>
+          <p:cNvSpPr txBox="1"/>
+          <p:nvPr/>
+        </p:nvSpPr>
+        <p:spPr>
+          <a:xfrm>
+            <a:off x="2688715" y="4026320"/>
+            <a:ext cx="2233748" cy="646331"/>
+          </a:xfrm>
+          <a:prstGeom prst="rect">
+            <a:avLst/>
+          </a:prstGeom>
+          <a:solidFill>
+            <a:schemeClr val="bg1"/>
+          </a:solidFill>
+          <a:ln>
+            <a:solidFill>
+              <a:schemeClr val="tx1">
+                <a:lumMod val="95000"/>
+                <a:lumOff val="5000"/>
+              </a:schemeClr>
+            </a:solidFill>
+          </a:ln>
+        </p:spPr>
+        <p:txBody>
+          <a:bodyPr wrap="square" rtlCol="0">
+            <a:spAutoFit/>
+          </a:bodyPr>
+          <a:lstStyle/>
+          <a:p>
+            <a:r>
+              <a:rPr lang="zh-CN" altLang="en-US" dirty="0" smtClean="0"/>
+              <a:t>检查接收到的帧是否正确</a:t>
+            </a:r>
+            <a:endParaRPr lang="en-US" altLang="zh-CN" dirty="0"/>
+          </a:p>
+        </p:txBody>
+      </p:sp>
+      <p:sp>
+        <p:nvSpPr>
+          <p:cNvPr id="19" name="文本框 18"/>
+          <p:cNvSpPr txBox="1"/>
+          <p:nvPr/>
+        </p:nvSpPr>
+        <p:spPr>
+          <a:xfrm>
+            <a:off x="6441944" y="4026320"/>
+            <a:ext cx="2564704" cy="646331"/>
+          </a:xfrm>
+          <a:prstGeom prst="rect">
+            <a:avLst/>
+          </a:prstGeom>
+          <a:solidFill>
+            <a:schemeClr val="bg1"/>
+          </a:solidFill>
+          <a:ln>
+            <a:solidFill>
+              <a:schemeClr val="tx1">
+                <a:lumMod val="95000"/>
+                <a:lumOff val="5000"/>
+              </a:schemeClr>
+            </a:solidFill>
+          </a:ln>
+        </p:spPr>
+        <p:txBody>
+          <a:bodyPr wrap="square" rtlCol="0">
+            <a:spAutoFit/>
+          </a:bodyPr>
+          <a:lstStyle/>
+          <a:p>
+            <a:r>
+              <a:rPr lang="en-US" altLang="zh-CN" dirty="0" err="1" smtClean="0"/>
+              <a:t>checkReceiveMassage</a:t>
+            </a:r>
+            <a:r>
+              <a:rPr lang="zh-CN" altLang="en-US" dirty="0" smtClean="0"/>
+              <a:t>函数</a:t>
+            </a:r>
+            <a:endParaRPr lang="en-US" altLang="zh-CN" dirty="0"/>
+          </a:p>
+        </p:txBody>
+      </p:sp>
+      <p:cxnSp>
+        <p:nvCxnSpPr>
+          <p:cNvPr id="21" name="直接箭头连接符 20"/>
+          <p:cNvCxnSpPr>
+            <a:stCxn id="7" idx="3"/>
+            <a:endCxn id="14" idx="1"/>
+          </p:cNvCxnSpPr>
+          <p:nvPr/>
+        </p:nvCxnSpPr>
+        <p:spPr>
+          <a:xfrm>
+            <a:off x="4920314" y="2315243"/>
+            <a:ext cx="1521630" cy="7668"/>
+          </a:xfrm>
+          <a:prstGeom prst="straightConnector1">
+            <a:avLst/>
+          </a:prstGeom>
+          <a:ln>
+            <a:tailEnd type="triangle"/>
+          </a:ln>
+        </p:spPr>
+        <p:style>
+          <a:lnRef idx="1">
+            <a:schemeClr val="accent1"/>
+          </a:lnRef>
+          <a:fillRef idx="0">
+            <a:schemeClr val="accent1"/>
+          </a:fillRef>
+          <a:effectRef idx="0">
+            <a:schemeClr val="accent1"/>
+          </a:effectRef>
+          <a:fontRef idx="minor">
+            <a:schemeClr val="tx1"/>
+          </a:fontRef>
+        </p:style>
+      </p:cxnSp>
+      <p:cxnSp>
+        <p:nvCxnSpPr>
+          <p:cNvPr id="23" name="直接箭头连接符 22"/>
+          <p:cNvCxnSpPr>
+            <a:stCxn id="16" idx="3"/>
+            <a:endCxn id="15" idx="1"/>
+          </p:cNvCxnSpPr>
+          <p:nvPr/>
+        </p:nvCxnSpPr>
+        <p:spPr>
+          <a:xfrm>
+            <a:off x="4920314" y="3259752"/>
+            <a:ext cx="1521630" cy="0"/>
+          </a:xfrm>
+          <a:prstGeom prst="straightConnector1">
+            <a:avLst/>
+          </a:prstGeom>
+          <a:ln>
+            <a:tailEnd type="triangle"/>
+          </a:ln>
+        </p:spPr>
+        <p:style>
+          <a:lnRef idx="1">
+            <a:schemeClr val="accent1"/>
+          </a:lnRef>
+          <a:fillRef idx="0">
+            <a:schemeClr val="accent1"/>
+          </a:fillRef>
+          <a:effectRef idx="0">
+            <a:schemeClr val="accent1"/>
+          </a:effectRef>
+          <a:fontRef idx="minor">
+            <a:schemeClr val="tx1"/>
+          </a:fontRef>
+        </p:style>
+      </p:cxnSp>
+      <p:cxnSp>
+        <p:nvCxnSpPr>
+          <p:cNvPr id="25" name="直接箭头连接符 24"/>
+          <p:cNvCxnSpPr>
+            <a:stCxn id="18" idx="3"/>
+            <a:endCxn id="19" idx="1"/>
+          </p:cNvCxnSpPr>
+          <p:nvPr/>
+        </p:nvCxnSpPr>
+        <p:spPr>
+          <a:xfrm>
+            <a:off x="4922463" y="4349486"/>
+            <a:ext cx="1519481" cy="0"/>
+          </a:xfrm>
+          <a:prstGeom prst="straightConnector1">
+            <a:avLst/>
+          </a:prstGeom>
+          <a:ln>
+            <a:tailEnd type="triangle"/>
+          </a:ln>
+        </p:spPr>
+        <p:style>
+          <a:lnRef idx="1">
+            <a:schemeClr val="accent1"/>
+          </a:lnRef>
+          <a:fillRef idx="0">
+            <a:schemeClr val="accent1"/>
+          </a:fillRef>
+          <a:effectRef idx="0">
+            <a:schemeClr val="accent1"/>
+          </a:effectRef>
+          <a:fontRef idx="minor">
+            <a:schemeClr val="tx1"/>
+          </a:fontRef>
+        </p:style>
+      </p:cxnSp>
+    </p:spTree>
+    <p:extLst>
+      <p:ext uri="{BB962C8B-B14F-4D97-AF65-F5344CB8AC3E}">
+        <p14:creationId xmlns:p14="http://schemas.microsoft.com/office/powerpoint/2010/main" val="1553280030"/>
+      </p:ext>
+    </p:extLst>
+  </p:cSld>
+  <p:clrMapOvr>
+    <a:masterClrMapping/>
+  </p:clrMapOvr>
+  <p:timing>
+    <p:tnLst>
+      <p:par>
+        <p:cTn id="1" dur="indefinite" restart="never" nodeType="tmRoot"/>
+      </p:par>
+    </p:tnLst>
+  </p:timing>
+</p:sld>
+</file>
+
+<file path=ppt/slides/slide5.xml><?xml version="1.0" encoding="utf-8"?>
+<p:sld xmlns:a="http://schemas.openxmlformats.org/drawingml/2006/main" xmlns:r="http://schemas.openxmlformats.org/officeDocument/2006/relationships" xmlns:p="http://schemas.openxmlformats.org/presentationml/2006/main">
+  <p:cSld>
+    <p:spTree>
+      <p:nvGrpSpPr>
+        <p:cNvPr id="1" name=""/>
+        <p:cNvGrpSpPr/>
+        <p:nvPr/>
+      </p:nvGrpSpPr>
+      <p:grpSpPr>
+        <a:xfrm>
+          <a:off x="0" y="0"/>
+          <a:ext cx="0" cy="0"/>
+          <a:chOff x="0" y="0"/>
+          <a:chExt cx="0" cy="0"/>
+        </a:xfrm>
+      </p:grpSpPr>
+      <p:sp>
+        <p:nvSpPr>
+          <p:cNvPr id="3" name="文本框 2"/>
+          <p:cNvSpPr txBox="1"/>
+          <p:nvPr/>
+        </p:nvSpPr>
+        <p:spPr>
+          <a:xfrm>
+            <a:off x="1105545" y="1887584"/>
+            <a:ext cx="923330" cy="3239578"/>
+          </a:xfrm>
+          <a:prstGeom prst="rect">
+            <a:avLst/>
+          </a:prstGeom>
+        </p:spPr>
+        <p:style>
+          <a:lnRef idx="0">
+            <a:schemeClr val="dk1"/>
+          </a:lnRef>
+          <a:fillRef idx="3">
+            <a:schemeClr val="dk1"/>
+          </a:fillRef>
+          <a:effectRef idx="3">
+            <a:schemeClr val="dk1"/>
+          </a:effectRef>
+          <a:fontRef idx="minor">
+            <a:schemeClr val="lt1"/>
+          </a:fontRef>
+        </p:style>
+        <p:txBody>
+          <a:bodyPr vert="eaVert" wrap="square" rtlCol="0">
+            <a:spAutoFit/>
+          </a:bodyPr>
+          <a:lstStyle/>
+          <a:p>
+            <a:pPr algn="ctr"/>
+            <a:r>
+              <a:rPr lang="zh-CN" altLang="en-US" sz="4800" dirty="0" smtClean="0"/>
+              <a:t>运行结果</a:t>
+            </a:r>
+            <a:endParaRPr lang="zh-CN" altLang="en-US" sz="4800" dirty="0"/>
+          </a:p>
+        </p:txBody>
+      </p:sp>
+      <p:pic>
+        <p:nvPicPr>
+          <p:cNvPr id="4" name="图片 3"/>
+          <p:cNvPicPr>
+            <a:picLocks noChangeAspect="1"/>
+          </p:cNvPicPr>
+          <p:nvPr/>
+        </p:nvPicPr>
+        <p:blipFill>
+          <a:blip r:embed="rId2">
+            <a:extLst>
+              <a:ext uri="{28A0092B-C50C-407E-A947-70E740481C1C}">
+                <a14:useLocalDpi xmlns:a14="http://schemas.microsoft.com/office/drawing/2010/main" val="0"/>
+              </a:ext>
+            </a:extLst>
+          </a:blip>
+          <a:stretch>
+            <a:fillRect/>
+          </a:stretch>
+        </p:blipFill>
+        <p:spPr>
+          <a:xfrm>
+            <a:off x="2365495" y="401782"/>
+            <a:ext cx="5799281" cy="5985164"/>
+          </a:xfrm>
+          <a:prstGeom prst="rect">
+            <a:avLst/>
+          </a:prstGeom>
+        </p:spPr>
+      </p:pic>
+      <p:sp>
+        <p:nvSpPr>
+          <p:cNvPr id="7" name="文本框 6"/>
+          <p:cNvSpPr txBox="1"/>
+          <p:nvPr/>
+        </p:nvSpPr>
+        <p:spPr>
+          <a:xfrm>
+            <a:off x="8285018" y="401782"/>
+            <a:ext cx="3449782" cy="1200329"/>
+          </a:xfrm>
+          <a:prstGeom prst="rect">
+            <a:avLst/>
+          </a:prstGeom>
+          <a:noFill/>
+        </p:spPr>
+        <p:txBody>
+          <a:bodyPr wrap="square" rtlCol="0">
+            <a:spAutoFit/>
+          </a:bodyPr>
+          <a:lstStyle/>
+          <a:p>
+            <a:r>
+              <a:rPr lang="zh-CN" altLang="en-US" sz="2400" b="1" dirty="0" smtClean="0">
+                <a:latin typeface="仿宋" panose="02010609060101010101" pitchFamily="49" charset="-122"/>
+                <a:ea typeface="仿宋" panose="02010609060101010101" pitchFamily="49" charset="-122"/>
+              </a:rPr>
+              <a:t>分析：在进行校验时发现余数不为</a:t>
+            </a:r>
+            <a:r>
+              <a:rPr lang="en-US" altLang="zh-CN" sz="2400" b="1" dirty="0" smtClean="0">
+                <a:latin typeface="仿宋" panose="02010609060101010101" pitchFamily="49" charset="-122"/>
+                <a:ea typeface="仿宋" panose="02010609060101010101" pitchFamily="49" charset="-122"/>
+              </a:rPr>
+              <a:t>0</a:t>
+            </a:r>
+            <a:r>
+              <a:rPr lang="zh-CN" altLang="en-US" sz="2400" b="1" dirty="0" smtClean="0">
+                <a:latin typeface="仿宋" panose="02010609060101010101" pitchFamily="49" charset="-122"/>
+                <a:ea typeface="仿宋" panose="02010609060101010101" pitchFamily="49" charset="-122"/>
+              </a:rPr>
+              <a:t>，故传输出错（待续）</a:t>
+            </a:r>
+            <a:endParaRPr lang="zh-CN" altLang="en-US" sz="2400" b="1" dirty="0">
+              <a:latin typeface="仿宋" panose="02010609060101010101" pitchFamily="49" charset="-122"/>
+              <a:ea typeface="仿宋" panose="02010609060101010101" pitchFamily="49" charset="-122"/>
+            </a:endParaRPr>
+          </a:p>
+        </p:txBody>
+      </p:sp>
+    </p:spTree>
+    <p:extLst>
+      <p:ext uri="{BB962C8B-B14F-4D97-AF65-F5344CB8AC3E}">
+        <p14:creationId xmlns:p14="http://schemas.microsoft.com/office/powerpoint/2010/main" val="1631066147"/>
+      </p:ext>
+    </p:extLst>
+  </p:cSld>
+  <p:clrMapOvr>
+    <a:masterClrMapping/>
+  </p:clrMapOvr>
+  <p:timing>
+    <p:tnLst>
+      <p:par>
+        <p:cTn id="1" dur="indefinite" restart="never" nodeType="tmRoot"/>
+      </p:par>
+    </p:tnLst>
+  </p:timing>
 </p:sld>
 </file>
 
